--- a/presentations/DAC18.pptx
+++ b/presentations/DAC18.pptx
@@ -19606,7 +19606,7 @@
           <a:p>
             <a:fld id="{8B227DED-EFF2-4A97-ACDD-C3639978A3B7}" type="datetimeFigureOut">
               <a:rPr lang="en-US" smtClean="0"/>
-              <a:t>6/21/2018</a:t>
+              <a:t>6/23/2018</a:t>
             </a:fld>
             <a:endParaRPr lang="en-US"/>
           </a:p>
@@ -20944,7 +20944,7 @@
           <a:p>
             <a:fld id="{520CF262-20CC-45CC-9461-AE54134A6B24}" type="datetime1">
               <a:rPr lang="en-US" smtClean="0"/>
-              <a:t>6/21/2018</a:t>
+              <a:t>6/23/2018</a:t>
             </a:fld>
             <a:endParaRPr lang="en-US"/>
           </a:p>
@@ -21145,7 +21145,7 @@
           <a:p>
             <a:fld id="{49A66A63-D8E0-4F26-9E9B-7605DDF8C929}" type="datetime1">
               <a:rPr lang="en-US" smtClean="0"/>
-              <a:t>6/21/2018</a:t>
+              <a:t>6/23/2018</a:t>
             </a:fld>
             <a:endParaRPr lang="en-US"/>
           </a:p>
@@ -21356,7 +21356,7 @@
           <a:p>
             <a:fld id="{FEE90991-929F-4108-8A91-539405FF344E}" type="datetime1">
               <a:rPr lang="en-US" smtClean="0"/>
-              <a:t>6/21/2018</a:t>
+              <a:t>6/23/2018</a:t>
             </a:fld>
             <a:endParaRPr lang="en-US"/>
           </a:p>
@@ -21557,7 +21557,7 @@
           <a:p>
             <a:fld id="{B9F4CB16-B782-4467-B40B-D99E7BAB382F}" type="datetime1">
               <a:rPr lang="en-US" smtClean="0"/>
-              <a:t>6/21/2018</a:t>
+              <a:t>6/23/2018</a:t>
             </a:fld>
             <a:endParaRPr lang="en-US"/>
           </a:p>
@@ -21835,7 +21835,7 @@
           <a:p>
             <a:fld id="{92E582AA-12CB-42CF-ABAF-91BF9115655F}" type="datetime1">
               <a:rPr lang="en-US" smtClean="0"/>
-              <a:t>6/21/2018</a:t>
+              <a:t>6/23/2018</a:t>
             </a:fld>
             <a:endParaRPr lang="en-US"/>
           </a:p>
@@ -22103,7 +22103,7 @@
           <a:p>
             <a:fld id="{C55F0DFE-B760-4547-8421-218FCEA03073}" type="datetime1">
               <a:rPr lang="en-US" smtClean="0"/>
-              <a:t>6/21/2018</a:t>
+              <a:t>6/23/2018</a:t>
             </a:fld>
             <a:endParaRPr lang="en-US"/>
           </a:p>
@@ -22518,7 +22518,7 @@
           <a:p>
             <a:fld id="{9D0F4CB2-626A-4A4C-8E9A-A2ACB17B0F15}" type="datetime1">
               <a:rPr lang="en-US" smtClean="0"/>
-              <a:t>6/21/2018</a:t>
+              <a:t>6/23/2018</a:t>
             </a:fld>
             <a:endParaRPr lang="en-US"/>
           </a:p>
@@ -22662,7 +22662,7 @@
           <a:p>
             <a:fld id="{A9A451EB-AD23-48ED-A9DF-A8C300CF9B6E}" type="datetime1">
               <a:rPr lang="en-US" smtClean="0"/>
-              <a:t>6/21/2018</a:t>
+              <a:t>6/23/2018</a:t>
             </a:fld>
             <a:endParaRPr lang="en-US"/>
           </a:p>
@@ -22778,7 +22778,7 @@
           <a:p>
             <a:fld id="{A26F9758-47D4-4853-A298-E4DC5147744A}" type="datetime1">
               <a:rPr lang="en-US" smtClean="0"/>
-              <a:t>6/21/2018</a:t>
+              <a:t>6/23/2018</a:t>
             </a:fld>
             <a:endParaRPr lang="en-US"/>
           </a:p>
@@ -23092,7 +23092,7 @@
           <a:p>
             <a:fld id="{3CE2602D-7CD8-4F21-AA9C-DB5D805CAFED}" type="datetime1">
               <a:rPr lang="en-US" smtClean="0"/>
-              <a:t>6/21/2018</a:t>
+              <a:t>6/23/2018</a:t>
             </a:fld>
             <a:endParaRPr lang="en-US"/>
           </a:p>
@@ -23383,7 +23383,7 @@
           <a:p>
             <a:fld id="{14E7A182-2FDF-4E84-AA7C-D902EDEA7DCD}" type="datetime1">
               <a:rPr lang="en-US" smtClean="0"/>
-              <a:t>6/21/2018</a:t>
+              <a:t>6/23/2018</a:t>
             </a:fld>
             <a:endParaRPr lang="en-US"/>
           </a:p>
@@ -23627,7 +23627,7 @@
           <a:p>
             <a:fld id="{AFA2F0B5-CE82-47F4-869F-9F457E1028E2}" type="datetime1">
               <a:rPr lang="en-US" smtClean="0"/>
-              <a:t>6/21/2018</a:t>
+              <a:t>6/23/2018</a:t>
             </a:fld>
             <a:endParaRPr lang="en-US"/>
           </a:p>
@@ -28967,9 +28967,9 @@
               <a:pPr lvl="0"/>
               <a:r>
                 <a:rPr lang="en-US" sz="3600" dirty="0">
-                  <a:hlinkClick r:id="rId8"/>
+                  <a:hlinkClick r:id="rId12"/>
                 </a:rPr>
-                <a:t>https://url-to-be-determined</a:t>
+                <a:t>https://whaaswijk.github.io</a:t>
               </a:r>
               <a:endParaRPr lang="en-US" sz="3600" dirty="0"/>
             </a:p>

--- a/presentations/DAC18.pptx
+++ b/presentations/DAC18.pptx
@@ -10028,14 +10028,14 @@
       </dgm:t>
     </dgm:pt>
     <dgm:pt modelId="{D882F188-2DDD-434B-8E7C-229748462846}">
-      <dgm:prSet phldrT="[Text]"/>
+      <dgm:prSet phldrT="[Text]" custT="1"/>
       <dgm:spPr/>
       <dgm:t>
         <a:bodyPr/>
         <a:lstStyle/>
         <a:p>
           <a:r>
-            <a:rPr lang="en-US" dirty="0"/>
+            <a:rPr lang="en-US" sz="3600" dirty="0"/>
             <a:t>Contact</a:t>
           </a:r>
         </a:p>
@@ -10073,7 +10073,7 @@
       <dgm:spPr/>
     </dgm:pt>
     <dgm:pt modelId="{2919B10F-9CD9-430C-B3AE-6E0C941E3B34}" type="pres">
-      <dgm:prSet presAssocID="{D882F188-2DDD-434B-8E7C-229748462846}" presName="parentText" presStyleLbl="node1" presStyleIdx="0" presStyleCnt="1">
+      <dgm:prSet presAssocID="{D882F188-2DDD-434B-8E7C-229748462846}" presName="parentText" presStyleLbl="node1" presStyleIdx="0" presStyleCnt="1" custScaleY="59094">
         <dgm:presLayoutVars>
           <dgm:chMax val="0"/>
           <dgm:bulletEnabled val="1"/>
@@ -12106,8 +12106,8 @@
       </dsp:nvSpPr>
       <dsp:spPr>
         <a:xfrm>
-          <a:off x="0" y="13669"/>
-          <a:ext cx="10515600" cy="1271205"/>
+          <a:off x="0" y="73268"/>
+          <a:ext cx="10515600" cy="707993"/>
         </a:xfrm>
         <a:prstGeom prst="roundRect">
           <a:avLst/>
@@ -12149,12 +12149,12 @@
         </a:fontRef>
       </dsp:style>
       <dsp:txBody>
-        <a:bodyPr spcFirstLastPara="0" vert="horz" wrap="square" lIns="201930" tIns="201930" rIns="201930" bIns="201930" numCol="1" spcCol="1270" anchor="ctr" anchorCtr="0">
+        <a:bodyPr spcFirstLastPara="0" vert="horz" wrap="square" lIns="137160" tIns="137160" rIns="137160" bIns="137160" numCol="1" spcCol="1270" anchor="ctr" anchorCtr="0">
           <a:noAutofit/>
         </a:bodyPr>
         <a:lstStyle/>
         <a:p>
-          <a:pPr marL="0" lvl="0" indent="0" algn="l" defTabSz="2355850">
+          <a:pPr marL="0" lvl="0" indent="0" algn="l" defTabSz="1600200">
             <a:lnSpc>
               <a:spcPct val="90000"/>
             </a:lnSpc>
@@ -12167,14 +12167,14 @@
             <a:buNone/>
           </a:pPr>
           <a:r>
-            <a:rPr lang="en-US" sz="5300" kern="1200" dirty="0"/>
+            <a:rPr lang="en-US" sz="3600" kern="1200" dirty="0"/>
             <a:t>Contact</a:t>
           </a:r>
         </a:p>
       </dsp:txBody>
       <dsp:txXfrm>
-        <a:off x="62055" y="75724"/>
-        <a:ext cx="10391490" cy="1147095"/>
+        <a:off x="34561" y="107829"/>
+        <a:ext cx="10446478" cy="638871"/>
       </dsp:txXfrm>
     </dsp:sp>
     <dsp:sp modelId="{B123B3A3-1B9B-453F-B7E5-91A8BE0F4EFE}">
@@ -12184,8 +12184,8 @@
       </dsp:nvSpPr>
       <dsp:spPr>
         <a:xfrm>
-          <a:off x="0" y="1284874"/>
-          <a:ext cx="10515600" cy="2139345"/>
+          <a:off x="0" y="781261"/>
+          <a:ext cx="10515600" cy="2583360"/>
         </a:xfrm>
         <a:prstGeom prst="rect">
           <a:avLst/>
@@ -12209,12 +12209,12 @@
         <a:fontRef idx="minor"/>
       </dsp:style>
       <dsp:txBody>
-        <a:bodyPr spcFirstLastPara="0" vert="horz" wrap="square" lIns="333870" tIns="67310" rIns="376936" bIns="67310" numCol="1" spcCol="1270" anchor="t" anchorCtr="0">
+        <a:bodyPr spcFirstLastPara="0" vert="horz" wrap="square" lIns="333870" tIns="81280" rIns="455168" bIns="81280" numCol="1" spcCol="1270" anchor="t" anchorCtr="0">
           <a:noAutofit/>
         </a:bodyPr>
         <a:lstStyle/>
         <a:p>
-          <a:pPr marL="285750" lvl="1" indent="-285750" algn="l" defTabSz="1822450">
+          <a:pPr marL="285750" lvl="1" indent="-285750" algn="l" defTabSz="2222500">
             <a:lnSpc>
               <a:spcPct val="90000"/>
             </a:lnSpc>
@@ -12226,10 +12226,10 @@
             </a:spcAft>
             <a:buNone/>
           </a:pPr>
-          <a:endParaRPr lang="en-US" sz="4100" kern="1200" dirty="0"/>
+          <a:endParaRPr lang="en-US" sz="5000" kern="1200" dirty="0"/>
         </a:p>
         <a:p>
-          <a:pPr marL="285750" lvl="1" indent="-285750" algn="l" defTabSz="1822450">
+          <a:pPr marL="285750" lvl="1" indent="-285750" algn="l" defTabSz="2222500">
             <a:lnSpc>
               <a:spcPct val="90000"/>
             </a:lnSpc>
@@ -12241,10 +12241,10 @@
             </a:spcAft>
             <a:buNone/>
           </a:pPr>
-          <a:endParaRPr lang="en-US" sz="4100" kern="1200" dirty="0"/>
+          <a:endParaRPr lang="en-US" sz="5000" kern="1200" dirty="0"/>
         </a:p>
         <a:p>
-          <a:pPr marL="285750" lvl="1" indent="-285750" algn="l" defTabSz="1822450">
+          <a:pPr marL="285750" lvl="1" indent="-285750" algn="l" defTabSz="2222500">
             <a:lnSpc>
               <a:spcPct val="90000"/>
             </a:lnSpc>
@@ -12256,12 +12256,12 @@
             </a:spcAft>
             <a:buNone/>
           </a:pPr>
-          <a:endParaRPr lang="en-US" sz="4100" kern="1200" dirty="0"/>
+          <a:endParaRPr lang="en-US" sz="5000" kern="1200" dirty="0"/>
         </a:p>
       </dsp:txBody>
       <dsp:txXfrm>
-        <a:off x="0" y="1284874"/>
-        <a:ext cx="10515600" cy="2139345"/>
+        <a:off x="0" y="781261"/>
+        <a:ext cx="10515600" cy="2583360"/>
       </dsp:txXfrm>
     </dsp:sp>
   </dsp:spTree>
@@ -28621,13 +28621,13 @@
             <p:ph idx="1"/>
             <p:extLst>
               <p:ext uri="{D42A27DB-BD31-4B8C-83A1-F6EECF244321}">
-                <p14:modId xmlns:p14="http://schemas.microsoft.com/office/powerpoint/2010/main" val="439656323"/>
+                <p14:modId xmlns:p14="http://schemas.microsoft.com/office/powerpoint/2010/main" val="4118984385"/>
               </p:ext>
             </p:extLst>
           </p:nvPr>
         </p:nvGraphicFramePr>
         <p:xfrm>
-          <a:off x="826770" y="1825625"/>
+          <a:off x="826770" y="2976691"/>
           <a:ext cx="10515600" cy="3437890"/>
         </p:xfrm>
         <a:graphic>
@@ -28659,17 +28659,24 @@
           <a:p>
             <a:r>
               <a:rPr lang="en-US" dirty="0"/>
-              <a:t>Thanks for Your Attention </a:t>
+              <a:t>SAT Based Exact Synthesis </a:t>
+            </a:r>
+            <a:br>
+              <a:rPr lang="en-US" dirty="0"/>
+            </a:br>
+            <a:r>
+              <a:rPr lang="en-US" dirty="0"/>
+              <a:t>using DAG Topology Families</a:t>
             </a:r>
           </a:p>
         </p:txBody>
       </p:sp>
       <p:grpSp>
         <p:nvGrpSpPr>
-          <p:cNvPr id="6" name="Group 5">
+          <p:cNvPr id="18" name="Group 17">
             <a:extLst>
               <a:ext uri="{FF2B5EF4-FFF2-40B4-BE49-F238E27FC236}">
-                <a16:creationId xmlns:a16="http://schemas.microsoft.com/office/drawing/2014/main" id="{048086DD-80CF-48C1-B602-62A4E28DA3A3}"/>
+                <a16:creationId xmlns:a16="http://schemas.microsoft.com/office/drawing/2014/main" id="{D6F4C424-86B1-48B2-9A90-135B10B817C9}"/>
               </a:ext>
             </a:extLst>
           </p:cNvPr>
@@ -28678,18 +28685,18 @@
         </p:nvGrpSpPr>
         <p:grpSpPr>
           <a:xfrm>
-            <a:off x="1072515" y="3261217"/>
+            <a:off x="1051000" y="3895916"/>
             <a:ext cx="9127391" cy="2200144"/>
-            <a:chOff x="1072515" y="3456087"/>
+            <a:chOff x="1072515" y="4078796"/>
             <a:chExt cx="9127391" cy="2200144"/>
           </a:xfrm>
         </p:grpSpPr>
         <p:grpSp>
           <p:nvGrpSpPr>
-            <p:cNvPr id="14" name="Group 13">
+            <p:cNvPr id="9" name="Group 8">
               <a:extLst>
                 <a:ext uri="{FF2B5EF4-FFF2-40B4-BE49-F238E27FC236}">
-                  <a16:creationId xmlns:a16="http://schemas.microsoft.com/office/drawing/2014/main" id="{B5C8906E-AC3D-4116-936B-0C9762448898}"/>
+                  <a16:creationId xmlns:a16="http://schemas.microsoft.com/office/drawing/2014/main" id="{A38AC393-EF99-49FB-85F8-5B39BE2B5623}"/>
                 </a:ext>
               </a:extLst>
             </p:cNvPr>
@@ -28698,284 +28705,338 @@
           </p:nvGrpSpPr>
           <p:grpSpPr>
             <a:xfrm>
-              <a:off x="1072515" y="3456087"/>
-              <a:ext cx="9127391" cy="1440299"/>
-              <a:chOff x="1962150" y="4753392"/>
-              <a:chExt cx="9127391" cy="1440299"/>
+              <a:off x="1072515" y="4861334"/>
+              <a:ext cx="9090660" cy="657761"/>
+              <a:chOff x="487680" y="5901690"/>
+              <a:chExt cx="9090660" cy="657761"/>
             </a:xfrm>
           </p:grpSpPr>
-          <p:grpSp>
-            <p:nvGrpSpPr>
-              <p:cNvPr id="9" name="Group 8">
+          <p:pic>
+            <p:nvPicPr>
+              <p:cNvPr id="7" name="Picture 6">
                 <a:extLst>
                   <a:ext uri="{FF2B5EF4-FFF2-40B4-BE49-F238E27FC236}">
-                    <a16:creationId xmlns:a16="http://schemas.microsoft.com/office/drawing/2014/main" id="{A38AC393-EF99-49FB-85F8-5B39BE2B5623}"/>
+                    <a16:creationId xmlns:a16="http://schemas.microsoft.com/office/drawing/2014/main" id="{D331E334-4C29-489D-BE84-C619925678C3}"/>
                   </a:ext>
                 </a:extLst>
               </p:cNvPr>
-              <p:cNvGrpSpPr/>
+              <p:cNvPicPr>
+                <a:picLocks noChangeAspect="1"/>
+              </p:cNvPicPr>
               <p:nvPr/>
-            </p:nvGrpSpPr>
-            <p:grpSpPr>
+            </p:nvPicPr>
+            <p:blipFill>
+              <a:blip r:embed="rId7">
+                <a:extLst>
+                  <a:ext uri="{28A0092B-C50C-407E-A947-70E740481C1C}">
+                    <a14:useLocalDpi xmlns:a14="http://schemas.microsoft.com/office/drawing/2010/main" val="0"/>
+                  </a:ext>
+                </a:extLst>
+              </a:blip>
+              <a:stretch>
+                <a:fillRect/>
+              </a:stretch>
+            </p:blipFill>
+            <p:spPr>
               <a:xfrm>
-                <a:off x="1962150" y="5535930"/>
-                <a:ext cx="9090660" cy="657761"/>
-                <a:chOff x="487680" y="5901690"/>
-                <a:chExt cx="9090660" cy="657761"/>
+                <a:off x="487680" y="5949851"/>
+                <a:ext cx="609600" cy="609600"/>
               </a:xfrm>
-            </p:grpSpPr>
-            <p:pic>
-              <p:nvPicPr>
-                <p:cNvPr id="7" name="Picture 6">
-                  <a:extLst>
-                    <a:ext uri="{FF2B5EF4-FFF2-40B4-BE49-F238E27FC236}">
-                      <a16:creationId xmlns:a16="http://schemas.microsoft.com/office/drawing/2014/main" id="{D331E334-4C29-489D-BE84-C619925678C3}"/>
-                    </a:ext>
-                  </a:extLst>
-                </p:cNvPr>
-                <p:cNvPicPr>
-                  <a:picLocks noChangeAspect="1"/>
-                </p:cNvPicPr>
-                <p:nvPr/>
-              </p:nvPicPr>
-              <p:blipFill>
-                <a:blip r:embed="rId7">
-                  <a:extLst>
-                    <a:ext uri="{28A0092B-C50C-407E-A947-70E740481C1C}">
-                      <a14:useLocalDpi xmlns:a14="http://schemas.microsoft.com/office/drawing/2010/main" val="0"/>
-                    </a:ext>
-                  </a:extLst>
-                </a:blip>
-                <a:stretch>
-                  <a:fillRect/>
-                </a:stretch>
-              </p:blipFill>
-              <p:spPr>
-                <a:xfrm>
-                  <a:off x="487680" y="5949851"/>
-                  <a:ext cx="609600" cy="609600"/>
-                </a:xfrm>
-                <a:prstGeom prst="rect">
-                  <a:avLst/>
-                </a:prstGeom>
-              </p:spPr>
-            </p:pic>
-            <p:sp>
-              <p:nvSpPr>
-                <p:cNvPr id="8" name="TextBox 7">
-                  <a:extLst>
-                    <a:ext uri="{FF2B5EF4-FFF2-40B4-BE49-F238E27FC236}">
-                      <a16:creationId xmlns:a16="http://schemas.microsoft.com/office/drawing/2014/main" id="{911CCEA7-5104-4D30-AF27-F13432E50D2B}"/>
-                    </a:ext>
-                  </a:extLst>
-                </p:cNvPr>
-                <p:cNvSpPr txBox="1"/>
-                <p:nvPr/>
-              </p:nvSpPr>
-              <p:spPr>
-                <a:xfrm>
-                  <a:off x="1097280" y="5901690"/>
-                  <a:ext cx="8481060" cy="646331"/>
-                </a:xfrm>
-                <a:prstGeom prst="rect">
-                  <a:avLst/>
-                </a:prstGeom>
-                <a:noFill/>
-              </p:spPr>
-              <p:txBody>
-                <a:bodyPr wrap="square" rtlCol="0">
-                  <a:spAutoFit/>
-                </a:bodyPr>
-                <a:lstStyle/>
-                <a:p>
-                  <a:pPr lvl="0"/>
-                  <a:r>
-                    <a:rPr lang="en-US" sz="3600" dirty="0">
-                      <a:hlinkClick r:id="rId8"/>
-                    </a:rPr>
-                    <a:t>https://github.com/whaaswijk</a:t>
-                  </a:r>
-                  <a:endParaRPr lang="en-US" sz="3600" dirty="0"/>
-                </a:p>
-              </p:txBody>
-            </p:sp>
-          </p:grpSp>
-          <p:grpSp>
-            <p:nvGrpSpPr>
-              <p:cNvPr id="13" name="Group 12">
+              <a:prstGeom prst="rect">
+                <a:avLst/>
+              </a:prstGeom>
+            </p:spPr>
+          </p:pic>
+          <p:sp>
+            <p:nvSpPr>
+              <p:cNvPr id="8" name="TextBox 7">
                 <a:extLst>
                   <a:ext uri="{FF2B5EF4-FFF2-40B4-BE49-F238E27FC236}">
-                    <a16:creationId xmlns:a16="http://schemas.microsoft.com/office/drawing/2014/main" id="{EBE85492-CD2D-47B9-B897-F5C2A0EB1A53}"/>
+                    <a16:creationId xmlns:a16="http://schemas.microsoft.com/office/drawing/2014/main" id="{911CCEA7-5104-4D30-AF27-F13432E50D2B}"/>
                   </a:ext>
                 </a:extLst>
               </p:cNvPr>
-              <p:cNvGrpSpPr/>
+              <p:cNvSpPr txBox="1"/>
               <p:nvPr/>
-            </p:nvGrpSpPr>
-            <p:grpSpPr>
+            </p:nvSpPr>
+            <p:spPr>
               <a:xfrm>
-                <a:off x="1962150" y="4753392"/>
-                <a:ext cx="9127391" cy="670411"/>
-                <a:chOff x="814804" y="4729311"/>
-                <a:chExt cx="9127391" cy="670411"/>
+                <a:off x="1097280" y="5901690"/>
+                <a:ext cx="8481060" cy="646331"/>
               </a:xfrm>
-            </p:grpSpPr>
-            <p:pic>
-              <p:nvPicPr>
-                <p:cNvPr id="11" name="Picture 10">
-                  <a:extLst>
-                    <a:ext uri="{FF2B5EF4-FFF2-40B4-BE49-F238E27FC236}">
-                      <a16:creationId xmlns:a16="http://schemas.microsoft.com/office/drawing/2014/main" id="{2CBB5B1D-DC12-4766-9844-BFC464C94FB7}"/>
-                    </a:ext>
-                  </a:extLst>
-                </p:cNvPr>
-                <p:cNvPicPr>
-                  <a:picLocks noChangeAspect="1"/>
-                </p:cNvPicPr>
-                <p:nvPr/>
-              </p:nvPicPr>
-              <p:blipFill>
-                <a:blip r:embed="rId9">
-                  <a:extLst>
-                    <a:ext uri="{28A0092B-C50C-407E-A947-70E740481C1C}">
-                      <a14:useLocalDpi xmlns:a14="http://schemas.microsoft.com/office/drawing/2010/main" val="0"/>
-                    </a:ext>
-                  </a:extLst>
-                </a:blip>
-                <a:stretch>
-                  <a:fillRect/>
-                </a:stretch>
-              </p:blipFill>
-              <p:spPr>
-                <a:xfrm>
-                  <a:off x="814804" y="4753391"/>
-                  <a:ext cx="646331" cy="646331"/>
-                </a:xfrm>
-                <a:prstGeom prst="rect">
-                  <a:avLst/>
-                </a:prstGeom>
-              </p:spPr>
-            </p:pic>
-            <p:sp>
-              <p:nvSpPr>
-                <p:cNvPr id="12" name="TextBox 11">
-                  <a:extLst>
-                    <a:ext uri="{FF2B5EF4-FFF2-40B4-BE49-F238E27FC236}">
-                      <a16:creationId xmlns:a16="http://schemas.microsoft.com/office/drawing/2014/main" id="{6CABF531-833D-4E7E-B58A-71BA080CCEC2}"/>
-                    </a:ext>
-                  </a:extLst>
-                </p:cNvPr>
-                <p:cNvSpPr txBox="1"/>
-                <p:nvPr/>
-              </p:nvSpPr>
-              <p:spPr>
-                <a:xfrm>
-                  <a:off x="1461135" y="4729311"/>
-                  <a:ext cx="8481060" cy="646331"/>
-                </a:xfrm>
-                <a:prstGeom prst="rect">
-                  <a:avLst/>
-                </a:prstGeom>
-                <a:noFill/>
-              </p:spPr>
-              <p:txBody>
-                <a:bodyPr wrap="square" rtlCol="0">
-                  <a:spAutoFit/>
-                </a:bodyPr>
-                <a:lstStyle/>
-                <a:p>
-                  <a:pPr lvl="0"/>
-                  <a:r>
-                    <a:rPr lang="en-US" sz="3600" dirty="0">
-                      <a:hlinkClick r:id="rId10"/>
-                    </a:rPr>
-                    <a:t>winston.haaswijk@epfl.ch</a:t>
-                  </a:r>
-                  <a:r>
-                    <a:rPr lang="en-US" sz="3600" dirty="0"/>
-                    <a:t> </a:t>
-                  </a:r>
-                </a:p>
-              </p:txBody>
-            </p:sp>
-          </p:grpSp>
+              <a:prstGeom prst="rect">
+                <a:avLst/>
+              </a:prstGeom>
+              <a:noFill/>
+            </p:spPr>
+            <p:txBody>
+              <a:bodyPr wrap="square" rtlCol="0">
+                <a:spAutoFit/>
+              </a:bodyPr>
+              <a:lstStyle/>
+              <a:p>
+                <a:pPr lvl="0"/>
+                <a:r>
+                  <a:rPr lang="en-US" sz="3600" dirty="0">
+                    <a:hlinkClick r:id="rId8"/>
+                  </a:rPr>
+                  <a:t>https://github.com/whaaswijk</a:t>
+                </a:r>
+                <a:endParaRPr lang="en-US" sz="3600" dirty="0"/>
+              </a:p>
+            </p:txBody>
+          </p:sp>
         </p:grpSp>
-        <p:pic>
-          <p:nvPicPr>
-            <p:cNvPr id="5" name="Picture 4">
+        <p:grpSp>
+          <p:nvGrpSpPr>
+            <p:cNvPr id="3" name="Group 2">
               <a:extLst>
                 <a:ext uri="{FF2B5EF4-FFF2-40B4-BE49-F238E27FC236}">
-                  <a16:creationId xmlns:a16="http://schemas.microsoft.com/office/drawing/2014/main" id="{A684CABB-837D-4D77-805D-6616F32B7AD7}"/>
+                  <a16:creationId xmlns:a16="http://schemas.microsoft.com/office/drawing/2014/main" id="{CC96DEED-BD14-46E5-8AD0-2458FD7AEA66}"/>
                 </a:ext>
               </a:extLst>
             </p:cNvPr>
-            <p:cNvPicPr>
-              <a:picLocks noChangeAspect="1"/>
-            </p:cNvPicPr>
+            <p:cNvGrpSpPr/>
             <p:nvPr/>
-          </p:nvPicPr>
-          <p:blipFill>
-            <a:blip r:embed="rId11">
-              <a:extLst>
-                <a:ext uri="{28A0092B-C50C-407E-A947-70E740481C1C}">
-                  <a14:useLocalDpi xmlns:a14="http://schemas.microsoft.com/office/drawing/2010/main" val="0"/>
-                </a:ext>
-              </a:extLst>
-            </a:blip>
-            <a:stretch>
-              <a:fillRect/>
-            </a:stretch>
-          </p:blipFill>
-          <p:spPr>
+          </p:nvGrpSpPr>
+          <p:grpSpPr>
             <a:xfrm>
-              <a:off x="1072515" y="5007007"/>
-              <a:ext cx="649224" cy="649224"/>
+              <a:off x="1072515" y="4078796"/>
+              <a:ext cx="9127391" cy="670411"/>
+              <a:chOff x="1072515" y="4078796"/>
+              <a:chExt cx="9127391" cy="670411"/>
             </a:xfrm>
-            <a:prstGeom prst="rect">
-              <a:avLst/>
-            </a:prstGeom>
-          </p:spPr>
-        </p:pic>
-        <p:sp>
-          <p:nvSpPr>
-            <p:cNvPr id="15" name="TextBox 14">
+          </p:grpSpPr>
+          <p:pic>
+            <p:nvPicPr>
+              <p:cNvPr id="11" name="Picture 10">
+                <a:extLst>
+                  <a:ext uri="{FF2B5EF4-FFF2-40B4-BE49-F238E27FC236}">
+                    <a16:creationId xmlns:a16="http://schemas.microsoft.com/office/drawing/2014/main" id="{2CBB5B1D-DC12-4766-9844-BFC464C94FB7}"/>
+                  </a:ext>
+                </a:extLst>
+              </p:cNvPr>
+              <p:cNvPicPr>
+                <a:picLocks noChangeAspect="1"/>
+              </p:cNvPicPr>
+              <p:nvPr/>
+            </p:nvPicPr>
+            <p:blipFill>
+              <a:blip r:embed="rId9">
+                <a:extLst>
+                  <a:ext uri="{28A0092B-C50C-407E-A947-70E740481C1C}">
+                    <a14:useLocalDpi xmlns:a14="http://schemas.microsoft.com/office/drawing/2010/main" val="0"/>
+                  </a:ext>
+                </a:extLst>
+              </a:blip>
+              <a:stretch>
+                <a:fillRect/>
+              </a:stretch>
+            </p:blipFill>
+            <p:spPr>
+              <a:xfrm>
+                <a:off x="1072515" y="4102876"/>
+                <a:ext cx="646331" cy="646331"/>
+              </a:xfrm>
+              <a:prstGeom prst="rect">
+                <a:avLst/>
+              </a:prstGeom>
+            </p:spPr>
+          </p:pic>
+          <p:sp>
+            <p:nvSpPr>
+              <p:cNvPr id="12" name="TextBox 11">
+                <a:extLst>
+                  <a:ext uri="{FF2B5EF4-FFF2-40B4-BE49-F238E27FC236}">
+                    <a16:creationId xmlns:a16="http://schemas.microsoft.com/office/drawing/2014/main" id="{6CABF531-833D-4E7E-B58A-71BA080CCEC2}"/>
+                  </a:ext>
+                </a:extLst>
+              </p:cNvPr>
+              <p:cNvSpPr txBox="1"/>
+              <p:nvPr/>
+            </p:nvSpPr>
+            <p:spPr>
+              <a:xfrm>
+                <a:off x="1718846" y="4078796"/>
+                <a:ext cx="8481060" cy="646331"/>
+              </a:xfrm>
+              <a:prstGeom prst="rect">
+                <a:avLst/>
+              </a:prstGeom>
+              <a:noFill/>
+            </p:spPr>
+            <p:txBody>
+              <a:bodyPr wrap="square" rtlCol="0">
+                <a:spAutoFit/>
+              </a:bodyPr>
+              <a:lstStyle/>
+              <a:p>
+                <a:pPr lvl="0"/>
+                <a:r>
+                  <a:rPr lang="en-US" sz="3600" dirty="0">
+                    <a:hlinkClick r:id="rId10"/>
+                  </a:rPr>
+                  <a:t>winston.haaswijk@epfl.ch</a:t>
+                </a:r>
+                <a:r>
+                  <a:rPr lang="en-US" sz="3600" dirty="0"/>
+                  <a:t> </a:t>
+                </a:r>
+              </a:p>
+            </p:txBody>
+          </p:sp>
+        </p:grpSp>
+        <p:grpSp>
+          <p:nvGrpSpPr>
+            <p:cNvPr id="10" name="Group 9">
               <a:extLst>
                 <a:ext uri="{FF2B5EF4-FFF2-40B4-BE49-F238E27FC236}">
-                  <a16:creationId xmlns:a16="http://schemas.microsoft.com/office/drawing/2014/main" id="{7721D542-A940-42C0-B108-E8DE16B4DDFF}"/>
+                  <a16:creationId xmlns:a16="http://schemas.microsoft.com/office/drawing/2014/main" id="{8C2B8902-4589-4D42-9AF3-7BBC7C955B72}"/>
                 </a:ext>
               </a:extLst>
             </p:cNvPr>
-            <p:cNvSpPr txBox="1"/>
+            <p:cNvGrpSpPr/>
             <p:nvPr/>
-          </p:nvSpPr>
-          <p:spPr>
+          </p:nvGrpSpPr>
+          <p:grpSpPr>
             <a:xfrm>
-              <a:off x="1682115" y="4995577"/>
-              <a:ext cx="8481060" cy="646331"/>
+              <a:off x="1072515" y="5618286"/>
+              <a:ext cx="9090660" cy="660654"/>
+              <a:chOff x="1072515" y="5618286"/>
+              <a:chExt cx="9090660" cy="660654"/>
             </a:xfrm>
-            <a:prstGeom prst="rect">
-              <a:avLst/>
-            </a:prstGeom>
-            <a:noFill/>
-          </p:spPr>
-          <p:txBody>
-            <a:bodyPr wrap="square" rtlCol="0">
-              <a:spAutoFit/>
-            </a:bodyPr>
-            <a:lstStyle/>
-            <a:p>
-              <a:pPr lvl="0"/>
-              <a:r>
-                <a:rPr lang="en-US" sz="3600" dirty="0">
-                  <a:hlinkClick r:id="rId12"/>
-                </a:rPr>
-                <a:t>https://whaaswijk.github.io</a:t>
-              </a:r>
-              <a:endParaRPr lang="en-US" sz="3600" dirty="0"/>
-            </a:p>
-          </p:txBody>
-        </p:sp>
+          </p:grpSpPr>
+          <p:pic>
+            <p:nvPicPr>
+              <p:cNvPr id="5" name="Picture 4">
+                <a:extLst>
+                  <a:ext uri="{FF2B5EF4-FFF2-40B4-BE49-F238E27FC236}">
+                    <a16:creationId xmlns:a16="http://schemas.microsoft.com/office/drawing/2014/main" id="{A684CABB-837D-4D77-805D-6616F32B7AD7}"/>
+                  </a:ext>
+                </a:extLst>
+              </p:cNvPr>
+              <p:cNvPicPr>
+                <a:picLocks noChangeAspect="1"/>
+              </p:cNvPicPr>
+              <p:nvPr/>
+            </p:nvPicPr>
+            <p:blipFill>
+              <a:blip r:embed="rId11">
+                <a:extLst>
+                  <a:ext uri="{28A0092B-C50C-407E-A947-70E740481C1C}">
+                    <a14:useLocalDpi xmlns:a14="http://schemas.microsoft.com/office/drawing/2010/main" val="0"/>
+                  </a:ext>
+                </a:extLst>
+              </a:blip>
+              <a:stretch>
+                <a:fillRect/>
+              </a:stretch>
+            </p:blipFill>
+            <p:spPr>
+              <a:xfrm>
+                <a:off x="1072515" y="5629716"/>
+                <a:ext cx="649224" cy="649224"/>
+              </a:xfrm>
+              <a:prstGeom prst="rect">
+                <a:avLst/>
+              </a:prstGeom>
+            </p:spPr>
+          </p:pic>
+          <p:sp>
+            <p:nvSpPr>
+              <p:cNvPr id="15" name="TextBox 14">
+                <a:extLst>
+                  <a:ext uri="{FF2B5EF4-FFF2-40B4-BE49-F238E27FC236}">
+                    <a16:creationId xmlns:a16="http://schemas.microsoft.com/office/drawing/2014/main" id="{7721D542-A940-42C0-B108-E8DE16B4DDFF}"/>
+                  </a:ext>
+                </a:extLst>
+              </p:cNvPr>
+              <p:cNvSpPr txBox="1"/>
+              <p:nvPr/>
+            </p:nvSpPr>
+            <p:spPr>
+              <a:xfrm>
+                <a:off x="1682115" y="5618286"/>
+                <a:ext cx="8481060" cy="646331"/>
+              </a:xfrm>
+              <a:prstGeom prst="rect">
+                <a:avLst/>
+              </a:prstGeom>
+              <a:noFill/>
+            </p:spPr>
+            <p:txBody>
+              <a:bodyPr wrap="square" rtlCol="0">
+                <a:spAutoFit/>
+              </a:bodyPr>
+              <a:lstStyle/>
+              <a:p>
+                <a:pPr lvl="0"/>
+                <a:r>
+                  <a:rPr lang="en-US" sz="3600" dirty="0">
+                    <a:hlinkClick r:id="rId12"/>
+                  </a:rPr>
+                  <a:t>https://whaaswijk.github.io</a:t>
+                </a:r>
+                <a:endParaRPr lang="en-US" sz="3600" dirty="0"/>
+              </a:p>
+            </p:txBody>
+          </p:sp>
+        </p:grpSp>
       </p:grpSp>
+      <p:sp>
+        <p:nvSpPr>
+          <p:cNvPr id="17" name="Title 1">
+            <a:extLst>
+              <a:ext uri="{FF2B5EF4-FFF2-40B4-BE49-F238E27FC236}">
+                <a16:creationId xmlns:a16="http://schemas.microsoft.com/office/drawing/2014/main" id="{6A92727E-B23F-4F94-A3DB-BD921E085F1C}"/>
+              </a:ext>
+            </a:extLst>
+          </p:cNvPr>
+          <p:cNvSpPr txBox="1">
+            <a:spLocks/>
+          </p:cNvSpPr>
+          <p:nvPr/>
+        </p:nvSpPr>
+        <p:spPr>
+          <a:xfrm>
+            <a:off x="826770" y="2177832"/>
+            <a:ext cx="10515600" cy="406331"/>
+          </a:xfrm>
+          <a:prstGeom prst="rect">
+            <a:avLst/>
+          </a:prstGeom>
+        </p:spPr>
+        <p:txBody>
+          <a:bodyPr vert="horz" lIns="91440" tIns="45720" rIns="91440" bIns="45720" rtlCol="0" anchor="ctr">
+            <a:noAutofit/>
+          </a:bodyPr>
+          <a:lstStyle>
+            <a:lvl1pPr algn="l" defTabSz="914400" rtl="0" eaLnBrk="1" latinLnBrk="0" hangingPunct="1">
+              <a:lnSpc>
+                <a:spcPct val="90000"/>
+              </a:lnSpc>
+              <a:spcBef>
+                <a:spcPct val="0"/>
+              </a:spcBef>
+              <a:buNone/>
+              <a:defRPr sz="4400" kern="1200">
+                <a:solidFill>
+                  <a:schemeClr val="tx1"/>
+                </a:solidFill>
+                <a:latin typeface="+mj-lt"/>
+                <a:ea typeface="+mj-ea"/>
+                <a:cs typeface="+mj-cs"/>
+              </a:defRPr>
+            </a:lvl1pPr>
+          </a:lstStyle>
+          <a:p>
+            <a:r>
+              <a:rPr lang="en-US" sz="3600" dirty="0"/>
+              <a:t>Thanks for your attention</a:t>
+            </a:r>
+          </a:p>
+        </p:txBody>
+      </p:sp>
     </p:spTree>
     <p:extLst>
       <p:ext uri="{BB962C8B-B14F-4D97-AF65-F5344CB8AC3E}">
@@ -28989,83 +29050,6 @@
   <p:transition spd="slow" advTm="14722">
     <p:push/>
   </p:transition>
-  <p:timing>
-    <p:tnLst>
-      <p:par>
-        <p:cTn id="1" dur="indefinite" restart="never" nodeType="tmRoot">
-          <p:childTnLst>
-            <p:seq concurrent="1" nextAc="seek">
-              <p:cTn id="2" dur="indefinite" nodeType="mainSeq">
-                <p:childTnLst>
-                  <p:par>
-                    <p:cTn id="3" fill="hold">
-                      <p:stCondLst>
-                        <p:cond delay="indefinite"/>
-                        <p:cond evt="onBegin" delay="0">
-                          <p:tn val="2"/>
-                        </p:cond>
-                      </p:stCondLst>
-                      <p:childTnLst>
-                        <p:par>
-                          <p:cTn id="4" fill="hold">
-                            <p:stCondLst>
-                              <p:cond delay="0"/>
-                            </p:stCondLst>
-                            <p:childTnLst>
-                              <p:par>
-                                <p:cTn id="5" presetID="26" presetClass="emph" presetSubtype="0" fill="hold" nodeType="withEffect">
-                                  <p:stCondLst>
-                                    <p:cond delay="1000"/>
-                                  </p:stCondLst>
-                                  <p:childTnLst>
-                                    <p:animEffect transition="out" filter="fade">
-                                      <p:cBhvr>
-                                        <p:cTn id="6" dur="500" tmFilter="0, 0; .2, .5; .8, .5; 1, 0"/>
-                                        <p:tgtEl>
-                                          <p:spTgt spid="6"/>
-                                        </p:tgtEl>
-                                      </p:cBhvr>
-                                    </p:animEffect>
-                                    <p:animScale>
-                                      <p:cBhvr>
-                                        <p:cTn id="7" dur="250" autoRev="1" fill="hold"/>
-                                        <p:tgtEl>
-                                          <p:spTgt spid="6"/>
-                                        </p:tgtEl>
-                                      </p:cBhvr>
-                                      <p:by x="105000" y="105000"/>
-                                    </p:animScale>
-                                  </p:childTnLst>
-                                </p:cTn>
-                              </p:par>
-                            </p:childTnLst>
-                          </p:cTn>
-                        </p:par>
-                      </p:childTnLst>
-                    </p:cTn>
-                  </p:par>
-                </p:childTnLst>
-              </p:cTn>
-              <p:prevCondLst>
-                <p:cond evt="onPrev" delay="0">
-                  <p:tgtEl>
-                    <p:sldTgt/>
-                  </p:tgtEl>
-                </p:cond>
-              </p:prevCondLst>
-              <p:nextCondLst>
-                <p:cond evt="onNext" delay="0">
-                  <p:tgtEl>
-                    <p:sldTgt/>
-                  </p:tgtEl>
-                </p:cond>
-              </p:nextCondLst>
-            </p:seq>
-          </p:childTnLst>
-        </p:cTn>
-      </p:par>
-    </p:tnLst>
-  </p:timing>
 </p:sld>
 </file>
 
